--- a/Traitz Tech Internship Project Presentation Template[1].pptx
+++ b/Traitz Tech Internship Project Presentation Template[1].pptx
@@ -5,36 +5,37 @@
     <p:sldMasterId id="2147483659" r:id="rId1"/>
   </p:sldMasterIdLst>
   <p:notesMasterIdLst>
-    <p:notesMasterId r:id="rId14"/>
+    <p:notesMasterId r:id="rId15"/>
   </p:notesMasterIdLst>
   <p:sldIdLst>
     <p:sldId id="256" r:id="rId2"/>
     <p:sldId id="257" r:id="rId3"/>
     <p:sldId id="259" r:id="rId4"/>
     <p:sldId id="261" r:id="rId5"/>
-    <p:sldId id="258" r:id="rId6"/>
-    <p:sldId id="260" r:id="rId7"/>
-    <p:sldId id="262" r:id="rId8"/>
-    <p:sldId id="263" r:id="rId9"/>
-    <p:sldId id="264" r:id="rId10"/>
-    <p:sldId id="265" r:id="rId11"/>
-    <p:sldId id="266" r:id="rId12"/>
-    <p:sldId id="267" r:id="rId13"/>
+    <p:sldId id="268" r:id="rId6"/>
+    <p:sldId id="258" r:id="rId7"/>
+    <p:sldId id="260" r:id="rId8"/>
+    <p:sldId id="262" r:id="rId9"/>
+    <p:sldId id="263" r:id="rId10"/>
+    <p:sldId id="264" r:id="rId11"/>
+    <p:sldId id="265" r:id="rId12"/>
+    <p:sldId id="266" r:id="rId13"/>
+    <p:sldId id="267" r:id="rId14"/>
   </p:sldIdLst>
   <p:sldSz cx="9144000" cy="5143500" type="screen16x9"/>
   <p:notesSz cx="6858000" cy="9144000"/>
   <p:embeddedFontLst>
     <p:embeddedFont>
       <p:font typeface="Amiko" panose="020B0604020202020204" charset="0"/>
-      <p:regular r:id="rId15"/>
-      <p:bold r:id="rId16"/>
+      <p:regular r:id="rId16"/>
+      <p:bold r:id="rId17"/>
     </p:embeddedFont>
     <p:embeddedFont>
       <p:font typeface="Calibri" panose="020F0502020204030204" pitchFamily="34" charset="0"/>
-      <p:regular r:id="rId17"/>
-      <p:bold r:id="rId18"/>
-      <p:italic r:id="rId19"/>
-      <p:boldItalic r:id="rId20"/>
+      <p:regular r:id="rId18"/>
+      <p:bold r:id="rId19"/>
+      <p:italic r:id="rId20"/>
+      <p:boldItalic r:id="rId21"/>
     </p:embeddedFont>
   </p:embeddedFontLst>
   <p:defaultTextStyle>
@@ -266,6 +267,11 @@
       </a:defRPr>
     </a:lvl9pPr>
   </p:defaultTextStyle>
+  <p:extLst>
+    <p:ext uri="{EFAFB233-063F-42B5-8137-9DF3F51BA10A}">
+      <p15:sldGuideLst xmlns:p15="http://schemas.microsoft.com/office/powerpoint/2012/main"/>
+    </p:ext>
+  </p:extLst>
 </p:presentation>
 </file>
 
@@ -975,6 +981,128 @@
   <p:cSld>
     <p:spTree>
       <p:nvGrpSpPr>
+        <p:cNvPr id="1" name="Shape 138"/>
+        <p:cNvGrpSpPr/>
+        <p:nvPr/>
+      </p:nvGrpSpPr>
+      <p:grpSpPr>
+        <a:xfrm>
+          <a:off x="0" y="0"/>
+          <a:ext cx="0" cy="0"/>
+          <a:chOff x="0" y="0"/>
+          <a:chExt cx="0" cy="0"/>
+        </a:xfrm>
+      </p:grpSpPr>
+      <p:sp>
+        <p:nvSpPr>
+          <p:cNvPr id="139" name="Google Shape;139;g2c7a1e21898_0_15:notes"/>
+          <p:cNvSpPr txBox="1">
+            <a:spLocks noGrp="1"/>
+          </p:cNvSpPr>
+          <p:nvPr>
+            <p:ph type="body" idx="1"/>
+          </p:nvPr>
+        </p:nvSpPr>
+        <p:spPr>
+          <a:xfrm>
+            <a:off x="685800" y="4343400"/>
+            <a:ext cx="5486400" cy="4114800"/>
+          </a:xfrm>
+          <a:prstGeom prst="rect">
+            <a:avLst/>
+          </a:prstGeom>
+          <a:noFill/>
+          <a:ln>
+            <a:noFill/>
+          </a:ln>
+        </p:spPr>
+        <p:txBody>
+          <a:bodyPr spcFirstLastPara="1" wrap="square" lIns="91425" tIns="91425" rIns="91425" bIns="91425" anchor="t" anchorCtr="0">
+            <a:noAutofit/>
+          </a:bodyPr>
+          <a:lstStyle/>
+          <a:p>
+            <a:pPr marL="0" lvl="0" indent="0" algn="l" rtl="0">
+              <a:lnSpc>
+                <a:spcPct val="100000"/>
+              </a:lnSpc>
+              <a:spcBef>
+                <a:spcPts val="0"/>
+              </a:spcBef>
+              <a:spcAft>
+                <a:spcPts val="0"/>
+              </a:spcAft>
+              <a:buSzPts val="1100"/>
+              <a:buNone/>
+            </a:pPr>
+            <a:endParaRPr/>
+          </a:p>
+        </p:txBody>
+      </p:sp>
+      <p:sp>
+        <p:nvSpPr>
+          <p:cNvPr id="140" name="Google Shape;140;g2c7a1e21898_0_15:notes"/>
+          <p:cNvSpPr>
+            <a:spLocks noGrp="1" noRot="1" noChangeAspect="1"/>
+          </p:cNvSpPr>
+          <p:nvPr>
+            <p:ph type="sldImg" idx="2"/>
+          </p:nvPr>
+        </p:nvSpPr>
+        <p:spPr>
+          <a:xfrm>
+            <a:off x="381000" y="685800"/>
+            <a:ext cx="6096000" cy="3429000"/>
+          </a:xfrm>
+          <a:custGeom>
+            <a:avLst/>
+            <a:gdLst/>
+            <a:ahLst/>
+            <a:cxnLst/>
+            <a:rect l="l" t="t" r="r" b="b"/>
+            <a:pathLst>
+              <a:path w="120000" h="120000" extrusionOk="0">
+                <a:moveTo>
+                  <a:pt x="0" y="0"/>
+                </a:moveTo>
+                <a:lnTo>
+                  <a:pt x="120000" y="0"/>
+                </a:lnTo>
+                <a:lnTo>
+                  <a:pt x="120000" y="120000"/>
+                </a:lnTo>
+                <a:lnTo>
+                  <a:pt x="0" y="120000"/>
+                </a:lnTo>
+                <a:close/>
+              </a:path>
+            </a:pathLst>
+          </a:custGeom>
+          <a:noFill/>
+          <a:ln w="9525" cap="flat" cmpd="sng">
+            <a:solidFill>
+              <a:srgbClr val="000000"/>
+            </a:solidFill>
+            <a:prstDash val="solid"/>
+            <a:round/>
+            <a:headEnd type="none" w="sm" len="sm"/>
+            <a:tailEnd type="none" w="sm" len="sm"/>
+          </a:ln>
+        </p:spPr>
+      </p:sp>
+    </p:spTree>
+  </p:cSld>
+  <p:clrMapOvr>
+    <a:masterClrMapping/>
+  </p:clrMapOvr>
+</p:notes>
+</file>
+
+<file path=ppt/notesSlides/notesSlide11.xml><?xml version="1.0" encoding="utf-8"?>
+<p:notes xmlns:a="http://schemas.openxmlformats.org/drawingml/2006/main" xmlns:r="http://schemas.openxmlformats.org/officeDocument/2006/relationships" xmlns:p="http://schemas.openxmlformats.org/presentationml/2006/main" showMasterSp="0" showMasterPhAnim="0">
+  <p:cSld>
+    <p:spTree>
+      <p:nvGrpSpPr>
         <p:cNvPr id="1" name="Shape 145"/>
         <p:cNvGrpSpPr/>
         <p:nvPr/>
@@ -1092,7 +1220,7 @@
 </p:notes>
 </file>
 
-<file path=ppt/notesSlides/notesSlide11.xml><?xml version="1.0" encoding="utf-8"?>
+<file path=ppt/notesSlides/notesSlide12.xml><?xml version="1.0" encoding="utf-8"?>
 <p:notes xmlns:a="http://schemas.openxmlformats.org/drawingml/2006/main" xmlns:r="http://schemas.openxmlformats.org/officeDocument/2006/relationships" xmlns:p="http://schemas.openxmlformats.org/presentationml/2006/main" showMasterSp="0" showMasterPhAnim="0">
   <p:cSld>
     <p:spTree>
@@ -1214,7 +1342,7 @@
 </p:notes>
 </file>
 
-<file path=ppt/notesSlides/notesSlide12.xml><?xml version="1.0" encoding="utf-8"?>
+<file path=ppt/notesSlides/notesSlide13.xml><?xml version="1.0" encoding="utf-8"?>
 <p:notes xmlns:a="http://schemas.openxmlformats.org/drawingml/2006/main" xmlns:r="http://schemas.openxmlformats.org/officeDocument/2006/relationships" xmlns:p="http://schemas.openxmlformats.org/presentationml/2006/main" showMasterSp="0" showMasterPhAnim="0">
   <p:cSld>
     <p:spTree>
@@ -1517,7 +1645,7 @@
               <a:buSzPts val="1100"/>
               <a:buNone/>
             </a:pPr>
-            <a:endParaRPr/>
+            <a:endParaRPr dirty="0"/>
           </a:p>
         </p:txBody>
       </p:sp>
@@ -1707,6 +1835,133 @@
   <p:cSld>
     <p:spTree>
       <p:nvGrpSpPr>
+        <p:cNvPr id="1" name="Shape 118"/>
+        <p:cNvGrpSpPr/>
+        <p:nvPr/>
+      </p:nvGrpSpPr>
+      <p:grpSpPr>
+        <a:xfrm>
+          <a:off x="0" y="0"/>
+          <a:ext cx="0" cy="0"/>
+          <a:chOff x="0" y="0"/>
+          <a:chExt cx="0" cy="0"/>
+        </a:xfrm>
+      </p:grpSpPr>
+      <p:sp>
+        <p:nvSpPr>
+          <p:cNvPr id="119" name="Google Shape;119;g2c7a1e21898_0_3:notes"/>
+          <p:cNvSpPr txBox="1">
+            <a:spLocks noGrp="1"/>
+          </p:cNvSpPr>
+          <p:nvPr>
+            <p:ph type="body" idx="1"/>
+          </p:nvPr>
+        </p:nvSpPr>
+        <p:spPr>
+          <a:xfrm>
+            <a:off x="685800" y="4343400"/>
+            <a:ext cx="5486400" cy="4114800"/>
+          </a:xfrm>
+          <a:prstGeom prst="rect">
+            <a:avLst/>
+          </a:prstGeom>
+          <a:noFill/>
+          <a:ln>
+            <a:noFill/>
+          </a:ln>
+        </p:spPr>
+        <p:txBody>
+          <a:bodyPr spcFirstLastPara="1" wrap="square" lIns="91425" tIns="91425" rIns="91425" bIns="91425" anchor="t" anchorCtr="0">
+            <a:noAutofit/>
+          </a:bodyPr>
+          <a:lstStyle/>
+          <a:p>
+            <a:pPr marL="0" lvl="0" indent="0" algn="l" rtl="0">
+              <a:lnSpc>
+                <a:spcPct val="100000"/>
+              </a:lnSpc>
+              <a:spcBef>
+                <a:spcPts val="0"/>
+              </a:spcBef>
+              <a:spcAft>
+                <a:spcPts val="0"/>
+              </a:spcAft>
+              <a:buSzPts val="1100"/>
+              <a:buNone/>
+            </a:pPr>
+            <a:endParaRPr/>
+          </a:p>
+        </p:txBody>
+      </p:sp>
+      <p:sp>
+        <p:nvSpPr>
+          <p:cNvPr id="120" name="Google Shape;120;g2c7a1e21898_0_3:notes"/>
+          <p:cNvSpPr>
+            <a:spLocks noGrp="1" noRot="1" noChangeAspect="1"/>
+          </p:cNvSpPr>
+          <p:nvPr>
+            <p:ph type="sldImg" idx="2"/>
+          </p:nvPr>
+        </p:nvSpPr>
+        <p:spPr>
+          <a:xfrm>
+            <a:off x="381000" y="685800"/>
+            <a:ext cx="6096000" cy="3429000"/>
+          </a:xfrm>
+          <a:custGeom>
+            <a:avLst/>
+            <a:gdLst/>
+            <a:ahLst/>
+            <a:cxnLst/>
+            <a:rect l="l" t="t" r="r" b="b"/>
+            <a:pathLst>
+              <a:path w="120000" h="120000" extrusionOk="0">
+                <a:moveTo>
+                  <a:pt x="0" y="0"/>
+                </a:moveTo>
+                <a:lnTo>
+                  <a:pt x="120000" y="0"/>
+                </a:lnTo>
+                <a:lnTo>
+                  <a:pt x="120000" y="120000"/>
+                </a:lnTo>
+                <a:lnTo>
+                  <a:pt x="0" y="120000"/>
+                </a:lnTo>
+                <a:close/>
+              </a:path>
+            </a:pathLst>
+          </a:custGeom>
+          <a:noFill/>
+          <a:ln w="9525" cap="flat" cmpd="sng">
+            <a:solidFill>
+              <a:srgbClr val="000000"/>
+            </a:solidFill>
+            <a:prstDash val="solid"/>
+            <a:round/>
+            <a:headEnd type="none" w="sm" len="sm"/>
+            <a:tailEnd type="none" w="sm" len="sm"/>
+          </a:ln>
+        </p:spPr>
+      </p:sp>
+    </p:spTree>
+    <p:extLst>
+      <p:ext uri="{BB962C8B-B14F-4D97-AF65-F5344CB8AC3E}">
+        <p14:creationId xmlns:p14="http://schemas.microsoft.com/office/powerpoint/2010/main" val="3741693299"/>
+      </p:ext>
+    </p:extLst>
+  </p:cSld>
+  <p:clrMapOvr>
+    <a:masterClrMapping/>
+  </p:clrMapOvr>
+</p:notes>
+</file>
+
+<file path=ppt/notesSlides/notesSlide6.xml><?xml version="1.0" encoding="utf-8"?>
+<p:notes xmlns:a="http://schemas.openxmlformats.org/drawingml/2006/main" xmlns:r="http://schemas.openxmlformats.org/officeDocument/2006/relationships" xmlns:p="http://schemas.openxmlformats.org/presentationml/2006/main" showMasterSp="0" showMasterPhAnim="0">
+  <p:cSld>
+    <p:spTree>
+      <p:nvGrpSpPr>
         <p:cNvPr id="1" name="Shape 97"/>
         <p:cNvGrpSpPr/>
         <p:nvPr/>
@@ -1824,7 +2079,7 @@
 </p:notes>
 </file>
 
-<file path=ppt/notesSlides/notesSlide6.xml><?xml version="1.0" encoding="utf-8"?>
+<file path=ppt/notesSlides/notesSlide7.xml><?xml version="1.0" encoding="utf-8"?>
 <p:notes xmlns:a="http://schemas.openxmlformats.org/drawingml/2006/main" xmlns:r="http://schemas.openxmlformats.org/officeDocument/2006/relationships" xmlns:p="http://schemas.openxmlformats.org/presentationml/2006/main" showMasterSp="0" showMasterPhAnim="0">
   <p:cSld>
     <p:spTree>
@@ -1946,7 +2201,7 @@
 </p:notes>
 </file>
 
-<file path=ppt/notesSlides/notesSlide7.xml><?xml version="1.0" encoding="utf-8"?>
+<file path=ppt/notesSlides/notesSlide8.xml><?xml version="1.0" encoding="utf-8"?>
 <p:notes xmlns:a="http://schemas.openxmlformats.org/drawingml/2006/main" xmlns:r="http://schemas.openxmlformats.org/officeDocument/2006/relationships" xmlns:p="http://schemas.openxmlformats.org/presentationml/2006/main" showMasterSp="0" showMasterPhAnim="0">
   <p:cSld>
     <p:spTree>
@@ -2068,7 +2323,7 @@
 </p:notes>
 </file>
 
-<file path=ppt/notesSlides/notesSlide8.xml><?xml version="1.0" encoding="utf-8"?>
+<file path=ppt/notesSlides/notesSlide9.xml><?xml version="1.0" encoding="utf-8"?>
 <p:notes xmlns:a="http://schemas.openxmlformats.org/drawingml/2006/main" xmlns:r="http://schemas.openxmlformats.org/officeDocument/2006/relationships" xmlns:p="http://schemas.openxmlformats.org/presentationml/2006/main" showMasterSp="0" showMasterPhAnim="0">
   <p:cSld>
     <p:spTree>
@@ -2134,128 +2389,6 @@
       <p:sp>
         <p:nvSpPr>
           <p:cNvPr id="134" name="Google Shape;134;p6:notes"/>
-          <p:cNvSpPr>
-            <a:spLocks noGrp="1" noRot="1" noChangeAspect="1"/>
-          </p:cNvSpPr>
-          <p:nvPr>
-            <p:ph type="sldImg" idx="2"/>
-          </p:nvPr>
-        </p:nvSpPr>
-        <p:spPr>
-          <a:xfrm>
-            <a:off x="381000" y="685800"/>
-            <a:ext cx="6096000" cy="3429000"/>
-          </a:xfrm>
-          <a:custGeom>
-            <a:avLst/>
-            <a:gdLst/>
-            <a:ahLst/>
-            <a:cxnLst/>
-            <a:rect l="l" t="t" r="r" b="b"/>
-            <a:pathLst>
-              <a:path w="120000" h="120000" extrusionOk="0">
-                <a:moveTo>
-                  <a:pt x="0" y="0"/>
-                </a:moveTo>
-                <a:lnTo>
-                  <a:pt x="120000" y="0"/>
-                </a:lnTo>
-                <a:lnTo>
-                  <a:pt x="120000" y="120000"/>
-                </a:lnTo>
-                <a:lnTo>
-                  <a:pt x="0" y="120000"/>
-                </a:lnTo>
-                <a:close/>
-              </a:path>
-            </a:pathLst>
-          </a:custGeom>
-          <a:noFill/>
-          <a:ln w="9525" cap="flat" cmpd="sng">
-            <a:solidFill>
-              <a:srgbClr val="000000"/>
-            </a:solidFill>
-            <a:prstDash val="solid"/>
-            <a:round/>
-            <a:headEnd type="none" w="sm" len="sm"/>
-            <a:tailEnd type="none" w="sm" len="sm"/>
-          </a:ln>
-        </p:spPr>
-      </p:sp>
-    </p:spTree>
-  </p:cSld>
-  <p:clrMapOvr>
-    <a:masterClrMapping/>
-  </p:clrMapOvr>
-</p:notes>
-</file>
-
-<file path=ppt/notesSlides/notesSlide9.xml><?xml version="1.0" encoding="utf-8"?>
-<p:notes xmlns:a="http://schemas.openxmlformats.org/drawingml/2006/main" xmlns:r="http://schemas.openxmlformats.org/officeDocument/2006/relationships" xmlns:p="http://schemas.openxmlformats.org/presentationml/2006/main" showMasterSp="0" showMasterPhAnim="0">
-  <p:cSld>
-    <p:spTree>
-      <p:nvGrpSpPr>
-        <p:cNvPr id="1" name="Shape 138"/>
-        <p:cNvGrpSpPr/>
-        <p:nvPr/>
-      </p:nvGrpSpPr>
-      <p:grpSpPr>
-        <a:xfrm>
-          <a:off x="0" y="0"/>
-          <a:ext cx="0" cy="0"/>
-          <a:chOff x="0" y="0"/>
-          <a:chExt cx="0" cy="0"/>
-        </a:xfrm>
-      </p:grpSpPr>
-      <p:sp>
-        <p:nvSpPr>
-          <p:cNvPr id="139" name="Google Shape;139;g2c7a1e21898_0_15:notes"/>
-          <p:cNvSpPr txBox="1">
-            <a:spLocks noGrp="1"/>
-          </p:cNvSpPr>
-          <p:nvPr>
-            <p:ph type="body" idx="1"/>
-          </p:nvPr>
-        </p:nvSpPr>
-        <p:spPr>
-          <a:xfrm>
-            <a:off x="685800" y="4343400"/>
-            <a:ext cx="5486400" cy="4114800"/>
-          </a:xfrm>
-          <a:prstGeom prst="rect">
-            <a:avLst/>
-          </a:prstGeom>
-          <a:noFill/>
-          <a:ln>
-            <a:noFill/>
-          </a:ln>
-        </p:spPr>
-        <p:txBody>
-          <a:bodyPr spcFirstLastPara="1" wrap="square" lIns="91425" tIns="91425" rIns="91425" bIns="91425" anchor="t" anchorCtr="0">
-            <a:noAutofit/>
-          </a:bodyPr>
-          <a:lstStyle/>
-          <a:p>
-            <a:pPr marL="0" lvl="0" indent="0" algn="l" rtl="0">
-              <a:lnSpc>
-                <a:spcPct val="100000"/>
-              </a:lnSpc>
-              <a:spcBef>
-                <a:spcPts val="0"/>
-              </a:spcBef>
-              <a:spcAft>
-                <a:spcPts val="0"/>
-              </a:spcAft>
-              <a:buSzPts val="1100"/>
-              <a:buNone/>
-            </a:pPr>
-            <a:endParaRPr/>
-          </a:p>
-        </p:txBody>
-      </p:sp>
-      <p:sp>
-        <p:nvSpPr>
-          <p:cNvPr id="140" name="Google Shape;140;g2c7a1e21898_0_15:notes"/>
           <p:cNvSpPr>
             <a:spLocks noGrp="1" noRot="1" noChangeAspect="1"/>
           </p:cNvSpPr>
@@ -15959,6 +16092,231 @@
   <p:cSld>
     <p:spTree>
       <p:nvGrpSpPr>
+        <p:cNvPr id="1" name="Shape 141"/>
+        <p:cNvGrpSpPr/>
+        <p:nvPr/>
+      </p:nvGrpSpPr>
+      <p:grpSpPr>
+        <a:xfrm>
+          <a:off x="0" y="0"/>
+          <a:ext cx="0" cy="0"/>
+          <a:chOff x="0" y="0"/>
+          <a:chExt cx="0" cy="0"/>
+        </a:xfrm>
+      </p:grpSpPr>
+      <p:sp>
+        <p:nvSpPr>
+          <p:cNvPr id="142" name="Google Shape;142;p21"/>
+          <p:cNvSpPr/>
+          <p:nvPr/>
+        </p:nvSpPr>
+        <p:spPr>
+          <a:xfrm>
+            <a:off x="0" y="0"/>
+            <a:ext cx="9144000" cy="5143500"/>
+          </a:xfrm>
+          <a:prstGeom prst="rect">
+            <a:avLst/>
+          </a:prstGeom>
+          <a:solidFill>
+            <a:srgbClr val="42B6C5"/>
+          </a:solidFill>
+          <a:ln>
+            <a:noFill/>
+          </a:ln>
+        </p:spPr>
+        <p:txBody>
+          <a:bodyPr spcFirstLastPara="1" wrap="square" lIns="68575" tIns="34275" rIns="68575" bIns="34275" anchor="ctr" anchorCtr="0">
+            <a:noAutofit/>
+          </a:bodyPr>
+          <a:lstStyle/>
+          <a:p>
+            <a:pPr marL="0" marR="0" lvl="0" indent="0" algn="ctr" rtl="0">
+              <a:lnSpc>
+                <a:spcPct val="100000"/>
+              </a:lnSpc>
+              <a:spcBef>
+                <a:spcPts val="0"/>
+              </a:spcBef>
+              <a:spcAft>
+                <a:spcPts val="0"/>
+              </a:spcAft>
+              <a:buClr>
+                <a:srgbClr val="000000"/>
+              </a:buClr>
+              <a:buSzPts val="1400"/>
+              <a:buFont typeface="Arial"/>
+              <a:buNone/>
+            </a:pPr>
+            <a:endParaRPr sz="1400" b="0" i="0" u="none" strike="noStrike" cap="none">
+              <a:solidFill>
+                <a:schemeClr val="lt1"/>
+              </a:solidFill>
+              <a:latin typeface="Calibri"/>
+              <a:ea typeface="Calibri"/>
+              <a:cs typeface="Calibri"/>
+              <a:sym typeface="Calibri"/>
+            </a:endParaRPr>
+          </a:p>
+        </p:txBody>
+      </p:sp>
+      <p:sp>
+        <p:nvSpPr>
+          <p:cNvPr id="143" name="Google Shape;143;p21"/>
+          <p:cNvSpPr txBox="1"/>
+          <p:nvPr/>
+        </p:nvSpPr>
+        <p:spPr>
+          <a:xfrm>
+            <a:off x="419100" y="3152622"/>
+            <a:ext cx="1379400" cy="1223700"/>
+          </a:xfrm>
+          <a:prstGeom prst="rect">
+            <a:avLst/>
+          </a:prstGeom>
+          <a:noFill/>
+          <a:ln>
+            <a:noFill/>
+          </a:ln>
+        </p:spPr>
+        <p:txBody>
+          <a:bodyPr spcFirstLastPara="1" wrap="square" lIns="68575" tIns="34275" rIns="68575" bIns="34275" anchor="t" anchorCtr="0">
+            <a:spAutoFit/>
+          </a:bodyPr>
+          <a:lstStyle/>
+          <a:p>
+            <a:pPr marL="0" marR="0" lvl="0" indent="0" algn="l" rtl="0">
+              <a:lnSpc>
+                <a:spcPct val="100000"/>
+              </a:lnSpc>
+              <a:spcBef>
+                <a:spcPts val="0"/>
+              </a:spcBef>
+              <a:spcAft>
+                <a:spcPts val="0"/>
+              </a:spcAft>
+              <a:buClr>
+                <a:srgbClr val="000000"/>
+              </a:buClr>
+              <a:buSzPts val="7500"/>
+              <a:buFont typeface="Arial"/>
+              <a:buNone/>
+            </a:pPr>
+            <a:r>
+              <a:rPr lang="en-US" sz="7500" b="1" i="0" u="none" strike="noStrike" cap="none">
+                <a:solidFill>
+                  <a:srgbClr val="FFFFFF"/>
+                </a:solidFill>
+                <a:latin typeface="Calibri"/>
+                <a:ea typeface="Calibri"/>
+                <a:cs typeface="Calibri"/>
+                <a:sym typeface="Calibri"/>
+              </a:rPr>
+              <a:t>0</a:t>
+            </a:r>
+            <a:r>
+              <a:rPr lang="en-US" sz="7500" b="1">
+                <a:solidFill>
+                  <a:srgbClr val="FFFFFF"/>
+                </a:solidFill>
+                <a:latin typeface="Calibri"/>
+                <a:ea typeface="Calibri"/>
+                <a:cs typeface="Calibri"/>
+                <a:sym typeface="Calibri"/>
+              </a:rPr>
+              <a:t>4</a:t>
+            </a:r>
+            <a:endParaRPr sz="7500" b="1" i="0" u="none" strike="noStrike" cap="none">
+              <a:solidFill>
+                <a:srgbClr val="FFFFFF"/>
+              </a:solidFill>
+              <a:latin typeface="Calibri"/>
+              <a:ea typeface="Calibri"/>
+              <a:cs typeface="Calibri"/>
+              <a:sym typeface="Calibri"/>
+            </a:endParaRPr>
+          </a:p>
+        </p:txBody>
+      </p:sp>
+      <p:sp>
+        <p:nvSpPr>
+          <p:cNvPr id="144" name="Google Shape;144;p21"/>
+          <p:cNvSpPr txBox="1"/>
+          <p:nvPr/>
+        </p:nvSpPr>
+        <p:spPr>
+          <a:xfrm>
+            <a:off x="419100" y="4127975"/>
+            <a:ext cx="8360700" cy="823500"/>
+          </a:xfrm>
+          <a:prstGeom prst="rect">
+            <a:avLst/>
+          </a:prstGeom>
+          <a:noFill/>
+          <a:ln>
+            <a:noFill/>
+          </a:ln>
+        </p:spPr>
+        <p:txBody>
+          <a:bodyPr spcFirstLastPara="1" wrap="square" lIns="68575" tIns="34275" rIns="68575" bIns="34275" anchor="t" anchorCtr="0">
+            <a:spAutoFit/>
+          </a:bodyPr>
+          <a:lstStyle/>
+          <a:p>
+            <a:pPr marL="0" marR="0" lvl="0" indent="0" algn="l" rtl="0">
+              <a:lnSpc>
+                <a:spcPct val="100000"/>
+              </a:lnSpc>
+              <a:spcBef>
+                <a:spcPts val="0"/>
+              </a:spcBef>
+              <a:spcAft>
+                <a:spcPts val="0"/>
+              </a:spcAft>
+              <a:buClr>
+                <a:srgbClr val="000000"/>
+              </a:buClr>
+              <a:buSzPts val="4900"/>
+              <a:buFont typeface="Arial"/>
+              <a:buNone/>
+            </a:pPr>
+            <a:r>
+              <a:rPr lang="en-US" sz="4900" b="1">
+                <a:solidFill>
+                  <a:srgbClr val="FFFFFF"/>
+                </a:solidFill>
+                <a:latin typeface="Calibri"/>
+                <a:ea typeface="Calibri"/>
+                <a:cs typeface="Calibri"/>
+                <a:sym typeface="Calibri"/>
+              </a:rPr>
+              <a:t>Your Team, or simply About You</a:t>
+            </a:r>
+            <a:endParaRPr sz="4900" b="1" i="0" u="none" strike="noStrike" cap="none">
+              <a:solidFill>
+                <a:srgbClr val="FFFFFF"/>
+              </a:solidFill>
+              <a:latin typeface="Calibri"/>
+              <a:ea typeface="Calibri"/>
+              <a:cs typeface="Calibri"/>
+              <a:sym typeface="Calibri"/>
+            </a:endParaRPr>
+          </a:p>
+        </p:txBody>
+      </p:sp>
+    </p:spTree>
+  </p:cSld>
+  <p:clrMapOvr>
+    <a:masterClrMapping/>
+  </p:clrMapOvr>
+</p:sld>
+</file>
+
+<file path=ppt/slides/slide11.xml><?xml version="1.0" encoding="utf-8"?>
+<p:sld xmlns:a="http://schemas.openxmlformats.org/drawingml/2006/main" xmlns:r="http://schemas.openxmlformats.org/officeDocument/2006/relationships" xmlns:p="http://schemas.openxmlformats.org/presentationml/2006/main">
+  <p:cSld>
+    <p:spTree>
+      <p:nvGrpSpPr>
         <p:cNvPr id="1" name="Shape 148"/>
         <p:cNvGrpSpPr/>
         <p:nvPr/>
@@ -16197,7 +16555,7 @@
 </p:sld>
 </file>
 
-<file path=ppt/slides/slide11.xml><?xml version="1.0" encoding="utf-8"?>
+<file path=ppt/slides/slide12.xml><?xml version="1.0" encoding="utf-8"?>
 <p:sld xmlns:a="http://schemas.openxmlformats.org/drawingml/2006/main" xmlns:r="http://schemas.openxmlformats.org/officeDocument/2006/relationships" xmlns:p="http://schemas.openxmlformats.org/presentationml/2006/main">
   <p:cSld>
     <p:spTree>
@@ -16627,7 +16985,7 @@
 </p:sld>
 </file>
 
-<file path=ppt/slides/slide12.xml><?xml version="1.0" encoding="utf-8"?>
+<file path=ppt/slides/slide13.xml><?xml version="1.0" encoding="utf-8"?>
 <p:sld xmlns:a="http://schemas.openxmlformats.org/drawingml/2006/main" xmlns:r="http://schemas.openxmlformats.org/officeDocument/2006/relationships" xmlns:p="http://schemas.openxmlformats.org/presentationml/2006/main">
   <p:cSld>
     <p:spTree>
@@ -17278,7 +17636,7 @@
               <a:buNone/>
             </a:pPr>
             <a:r>
-              <a:rPr lang="en-US" sz="3600" b="1" i="0" u="none" strike="noStrike" cap="none">
+              <a:rPr lang="en-US" sz="3600" b="1" i="0" u="none" strike="noStrike" cap="none" dirty="0">
                 <a:solidFill>
                   <a:srgbClr val="42B6C5"/>
                 </a:solidFill>
@@ -17287,10 +17645,10 @@
                 <a:cs typeface="Calibri"/>
                 <a:sym typeface="Calibri"/>
               </a:rPr>
-              <a:t>1. Why </a:t>
+              <a:t>1. </a:t>
             </a:r>
             <a:r>
-              <a:rPr lang="en-US" sz="3600" b="1">
+              <a:rPr lang="en-US" sz="3600" b="1" dirty="0" err="1">
                 <a:solidFill>
                   <a:srgbClr val="42B6C5"/>
                 </a:solidFill>
@@ -17299,21 +17657,9 @@
                 <a:cs typeface="Calibri"/>
                 <a:sym typeface="Calibri"/>
               </a:rPr>
-              <a:t>this problem</a:t>
+              <a:t>Introducttion</a:t>
             </a:r>
-            <a:r>
-              <a:rPr lang="en-US" sz="3600" b="1" i="0" u="none" strike="noStrike" cap="none">
-                <a:solidFill>
-                  <a:srgbClr val="42B6C5"/>
-                </a:solidFill>
-                <a:latin typeface="Calibri"/>
-                <a:ea typeface="Calibri"/>
-                <a:cs typeface="Calibri"/>
-                <a:sym typeface="Calibri"/>
-              </a:rPr>
-              <a:t>?</a:t>
-            </a:r>
-            <a:endParaRPr sz="3600" b="1" i="0" u="none" strike="noStrike" cap="none">
+            <a:endParaRPr sz="3600" b="1" i="0" u="none" strike="noStrike" cap="none" dirty="0">
               <a:solidFill>
                 <a:srgbClr val="42B6C5"/>
               </a:solidFill>
@@ -17334,7 +17680,7 @@
         <p:spPr>
           <a:xfrm>
             <a:off x="3427087" y="1957350"/>
-            <a:ext cx="4324200" cy="1685046"/>
+            <a:ext cx="4324200" cy="2146711"/>
           </a:xfrm>
           <a:prstGeom prst="rect">
             <a:avLst/>
@@ -17377,62 +17723,7 @@
                 <a:cs typeface="Calibri"/>
                 <a:sym typeface="Calibri"/>
               </a:rPr>
-              <a:t>Load the data set and replace with the actual file name</a:t>
-            </a:r>
-          </a:p>
-          <a:p>
-            <a:pPr marL="457200" marR="0" lvl="0" indent="-323850" algn="l" rtl="0">
-              <a:lnSpc>
-                <a:spcPct val="100000"/>
-              </a:lnSpc>
-              <a:spcBef>
-                <a:spcPts val="0"/>
-              </a:spcBef>
-              <a:spcAft>
-                <a:spcPts val="0"/>
-              </a:spcAft>
-              <a:buClr>
-                <a:srgbClr val="42B6C5"/>
-              </a:buClr>
-              <a:buSzPts val="1500"/>
-              <a:buFont typeface="Calibri"/>
-              <a:buChar char="●"/>
-            </a:pPr>
-            <a:r>
-              <a:rPr lang="en-US" sz="1500" b="1" dirty="0">
-                <a:solidFill>
-                  <a:srgbClr val="42B6C5"/>
-                </a:solidFill>
-                <a:latin typeface="Calibri"/>
-                <a:ea typeface="Calibri"/>
-                <a:cs typeface="Calibri"/>
-                <a:sym typeface="Calibri"/>
-              </a:rPr>
-              <a:t>A code to know the number of </a:t>
-            </a:r>
-            <a:r>
-              <a:rPr lang="en-US" sz="1500" b="1" dirty="0" err="1">
-                <a:solidFill>
-                  <a:srgbClr val="42B6C5"/>
-                </a:solidFill>
-                <a:latin typeface="Calibri"/>
-                <a:ea typeface="Calibri"/>
-                <a:cs typeface="Calibri"/>
-                <a:sym typeface="Calibri"/>
-              </a:rPr>
-              <a:t>culumn</a:t>
-            </a:r>
-            <a:r>
-              <a:rPr lang="en-US" sz="1500" b="1" dirty="0">
-                <a:solidFill>
-                  <a:srgbClr val="42B6C5"/>
-                </a:solidFill>
-                <a:latin typeface="Calibri"/>
-                <a:ea typeface="Calibri"/>
-                <a:cs typeface="Calibri"/>
-                <a:sym typeface="Calibri"/>
-              </a:rPr>
-              <a:t>, data types, and to know if there are missing values</a:t>
+              <a:t>Welcome everyone to the presentation. Today, we will explore the insights derived from our customer performance dataset. This analysis is vital for understanding our customer base and improving overall business outcomes.</a:t>
             </a:r>
           </a:p>
           <a:p>
@@ -17611,7 +17902,7 @@
         <p:spPr>
           <a:xfrm>
             <a:off x="3427087" y="535859"/>
-            <a:ext cx="4892700" cy="1177500"/>
+            <a:ext cx="4892700" cy="623217"/>
           </a:xfrm>
           <a:prstGeom prst="rect">
             <a:avLst/>
@@ -17640,7 +17931,7 @@
               <a:buNone/>
             </a:pPr>
             <a:r>
-              <a:rPr lang="en-US" sz="3600" b="1">
+              <a:rPr lang="en-US" sz="3600" b="1" dirty="0">
                 <a:solidFill>
                   <a:srgbClr val="42B6C5"/>
                 </a:solidFill>
@@ -17652,7 +17943,7 @@
               <a:t>2</a:t>
             </a:r>
             <a:r>
-              <a:rPr lang="en-US" sz="3600" b="1" i="0" u="none" strike="noStrike" cap="none">
+              <a:rPr lang="en-US" sz="3600" b="1" i="0" u="none" strike="noStrike" cap="none" dirty="0">
                 <a:solidFill>
                   <a:srgbClr val="42B6C5"/>
                 </a:solidFill>
@@ -17661,56 +17952,9 @@
                 <a:cs typeface="Calibri"/>
                 <a:sym typeface="Calibri"/>
               </a:rPr>
-              <a:t>. </a:t>
+              <a:t>. Objective of analysis</a:t>
             </a:r>
-            <a:r>
-              <a:rPr lang="en-US" sz="3600" b="1">
-                <a:solidFill>
-                  <a:srgbClr val="42B6C5"/>
-                </a:solidFill>
-                <a:latin typeface="Calibri"/>
-                <a:ea typeface="Calibri"/>
-                <a:cs typeface="Calibri"/>
-                <a:sym typeface="Calibri"/>
-              </a:rPr>
-              <a:t>The Solution you </a:t>
-            </a:r>
-            <a:endParaRPr sz="3600" b="1">
-              <a:solidFill>
-                <a:srgbClr val="42B6C5"/>
-              </a:solidFill>
-              <a:latin typeface="Calibri"/>
-              <a:ea typeface="Calibri"/>
-              <a:cs typeface="Calibri"/>
-              <a:sym typeface="Calibri"/>
-            </a:endParaRPr>
-          </a:p>
-          <a:p>
-            <a:pPr marL="0" marR="0" lvl="0" indent="0" algn="l" rtl="0">
-              <a:lnSpc>
-                <a:spcPct val="100000"/>
-              </a:lnSpc>
-              <a:spcBef>
-                <a:spcPts val="0"/>
-              </a:spcBef>
-              <a:spcAft>
-                <a:spcPts val="0"/>
-              </a:spcAft>
-              <a:buNone/>
-            </a:pPr>
-            <a:r>
-              <a:rPr lang="en-US" sz="3600" b="1">
-                <a:solidFill>
-                  <a:srgbClr val="42B6C5"/>
-                </a:solidFill>
-                <a:latin typeface="Calibri"/>
-                <a:ea typeface="Calibri"/>
-                <a:cs typeface="Calibri"/>
-                <a:sym typeface="Calibri"/>
-              </a:rPr>
-              <a:t>Found</a:t>
-            </a:r>
-            <a:endParaRPr sz="3600" b="1">
+            <a:endParaRPr sz="3600" b="1" dirty="0">
               <a:solidFill>
                 <a:srgbClr val="42B6C5"/>
               </a:solidFill>
@@ -17731,7 +17975,7 @@
         <p:spPr>
           <a:xfrm>
             <a:off x="3427095" y="1957350"/>
-            <a:ext cx="4324200" cy="1454214"/>
+            <a:ext cx="4324200" cy="1223382"/>
           </a:xfrm>
           <a:prstGeom prst="rect">
             <a:avLst/>
@@ -17774,125 +18018,7 @@
                 <a:cs typeface="Calibri"/>
                 <a:sym typeface="Calibri"/>
               </a:rPr>
-              <a:t>Give some points which explain your </a:t>
-            </a:r>
-            <a:br>
-              <a:rPr lang="en-US" sz="1500" b="1" dirty="0">
-                <a:solidFill>
-                  <a:srgbClr val="42B6C5"/>
-                </a:solidFill>
-                <a:latin typeface="Calibri"/>
-                <a:ea typeface="Calibri"/>
-                <a:cs typeface="Calibri"/>
-                <a:sym typeface="Calibri"/>
-              </a:rPr>
-            </a:br>
-            <a:r>
-              <a:rPr lang="en-US" sz="1500" b="1" dirty="0">
-                <a:solidFill>
-                  <a:srgbClr val="42B6C5"/>
-                </a:solidFill>
-                <a:latin typeface="Calibri"/>
-                <a:ea typeface="Calibri"/>
-                <a:cs typeface="Calibri"/>
-                <a:sym typeface="Calibri"/>
-              </a:rPr>
-              <a:t>solution briefly</a:t>
-            </a:r>
-            <a:endParaRPr sz="1500" b="1" dirty="0">
-              <a:solidFill>
-                <a:srgbClr val="42B6C5"/>
-              </a:solidFill>
-              <a:latin typeface="Calibri"/>
-              <a:ea typeface="Calibri"/>
-              <a:cs typeface="Calibri"/>
-              <a:sym typeface="Calibri"/>
-            </a:endParaRPr>
-          </a:p>
-          <a:p>
-            <a:pPr marL="457200" marR="0" lvl="0" indent="-323850" algn="l" rtl="0">
-              <a:lnSpc>
-                <a:spcPct val="100000"/>
-              </a:lnSpc>
-              <a:spcBef>
-                <a:spcPts val="0"/>
-              </a:spcBef>
-              <a:spcAft>
-                <a:spcPts val="0"/>
-              </a:spcAft>
-              <a:buClr>
-                <a:srgbClr val="42B6C5"/>
-              </a:buClr>
-              <a:buSzPts val="1500"/>
-              <a:buFont typeface="Calibri"/>
-              <a:buChar char="●"/>
-            </a:pPr>
-            <a:r>
-              <a:rPr lang="en-US" sz="1500" b="1" dirty="0">
-                <a:solidFill>
-                  <a:srgbClr val="42B6C5"/>
-                </a:solidFill>
-                <a:latin typeface="Calibri"/>
-                <a:ea typeface="Calibri"/>
-                <a:cs typeface="Calibri"/>
-                <a:sym typeface="Calibri"/>
-              </a:rPr>
-              <a:t>Always make it short and captivating</a:t>
-            </a:r>
-          </a:p>
-          <a:p>
-            <a:pPr marL="457200" marR="0" lvl="0" indent="-323850" algn="l" rtl="0">
-              <a:lnSpc>
-                <a:spcPct val="100000"/>
-              </a:lnSpc>
-              <a:spcBef>
-                <a:spcPts val="0"/>
-              </a:spcBef>
-              <a:spcAft>
-                <a:spcPts val="0"/>
-              </a:spcAft>
-              <a:buClr>
-                <a:srgbClr val="42B6C5"/>
-              </a:buClr>
-              <a:buSzPts val="1500"/>
-              <a:buFont typeface="Calibri"/>
-              <a:buChar char="●"/>
-            </a:pPr>
-            <a:r>
-              <a:rPr lang="en-US" sz="1500" b="1" dirty="0">
-                <a:solidFill>
-                  <a:srgbClr val="42B6C5"/>
-                </a:solidFill>
-                <a:latin typeface="Calibri"/>
-                <a:ea typeface="Calibri"/>
-                <a:cs typeface="Calibri"/>
-                <a:sym typeface="Calibri"/>
-              </a:rPr>
-              <a:t>Checked for empty cells in the entire dataset using (.</a:t>
-            </a:r>
-            <a:r>
-              <a:rPr lang="en-US" sz="1500" b="1" dirty="0" err="1">
-                <a:solidFill>
-                  <a:srgbClr val="42B6C5"/>
-                </a:solidFill>
-                <a:latin typeface="Calibri"/>
-                <a:ea typeface="Calibri"/>
-                <a:cs typeface="Calibri"/>
-                <a:sym typeface="Calibri"/>
-              </a:rPr>
-              <a:t>isnull</a:t>
-            </a:r>
-            <a:r>
-              <a:rPr lang="en-US" sz="1500" b="1" dirty="0">
-                <a:solidFill>
-                  <a:srgbClr val="42B6C5"/>
-                </a:solidFill>
-                <a:latin typeface="Calibri"/>
-                <a:ea typeface="Calibri"/>
-                <a:cs typeface="Calibri"/>
-                <a:sym typeface="Calibri"/>
-              </a:rPr>
-              <a:t>)</a:t>
+              <a:t>The primary objective of this analysis is to uncover actionable insights from the customer performance data to enhance our marketing strategies and improve customer retention.</a:t>
             </a:r>
           </a:p>
           <a:p>
@@ -17934,6 +18060,422 @@
 </file>
 
 <file path=ppt/slides/slide5.xml><?xml version="1.0" encoding="utf-8"?>
+<p:sld xmlns:a="http://schemas.openxmlformats.org/drawingml/2006/main" xmlns:r="http://schemas.openxmlformats.org/officeDocument/2006/relationships" xmlns:p="http://schemas.openxmlformats.org/presentationml/2006/main">
+  <p:cSld>
+    <p:spTree>
+      <p:nvGrpSpPr>
+        <p:cNvPr id="1" name="Shape 121"/>
+        <p:cNvGrpSpPr/>
+        <p:nvPr/>
+      </p:nvGrpSpPr>
+      <p:grpSpPr>
+        <a:xfrm>
+          <a:off x="0" y="0"/>
+          <a:ext cx="0" cy="0"/>
+          <a:chOff x="0" y="0"/>
+          <a:chExt cx="0" cy="0"/>
+        </a:xfrm>
+      </p:grpSpPr>
+      <p:sp>
+        <p:nvSpPr>
+          <p:cNvPr id="122" name="Google Shape;122;p18"/>
+          <p:cNvSpPr/>
+          <p:nvPr/>
+        </p:nvSpPr>
+        <p:spPr>
+          <a:xfrm>
+            <a:off x="0" y="0"/>
+            <a:ext cx="2811900" cy="5143500"/>
+          </a:xfrm>
+          <a:prstGeom prst="rect">
+            <a:avLst/>
+          </a:prstGeom>
+          <a:solidFill>
+            <a:srgbClr val="42B6C5"/>
+          </a:solidFill>
+          <a:ln>
+            <a:noFill/>
+          </a:ln>
+        </p:spPr>
+        <p:txBody>
+          <a:bodyPr spcFirstLastPara="1" wrap="square" lIns="68575" tIns="34275" rIns="68575" bIns="34275" anchor="ctr" anchorCtr="0">
+            <a:noAutofit/>
+          </a:bodyPr>
+          <a:lstStyle/>
+          <a:p>
+            <a:pPr marL="0" marR="0" lvl="0" indent="0" algn="ctr" rtl="0">
+              <a:lnSpc>
+                <a:spcPct val="100000"/>
+              </a:lnSpc>
+              <a:spcBef>
+                <a:spcPts val="0"/>
+              </a:spcBef>
+              <a:spcAft>
+                <a:spcPts val="0"/>
+              </a:spcAft>
+              <a:buClr>
+                <a:srgbClr val="000000"/>
+              </a:buClr>
+              <a:buSzPts val="1400"/>
+              <a:buFont typeface="Arial"/>
+              <a:buNone/>
+            </a:pPr>
+            <a:endParaRPr sz="1400" b="0" i="0" u="none" strike="noStrike" cap="none">
+              <a:solidFill>
+                <a:srgbClr val="42B6C5"/>
+              </a:solidFill>
+              <a:latin typeface="Calibri"/>
+              <a:ea typeface="Calibri"/>
+              <a:cs typeface="Calibri"/>
+              <a:sym typeface="Calibri"/>
+            </a:endParaRPr>
+          </a:p>
+        </p:txBody>
+      </p:sp>
+      <p:sp>
+        <p:nvSpPr>
+          <p:cNvPr id="123" name="Google Shape;123;p18"/>
+          <p:cNvSpPr txBox="1"/>
+          <p:nvPr/>
+        </p:nvSpPr>
+        <p:spPr>
+          <a:xfrm>
+            <a:off x="3427087" y="535859"/>
+            <a:ext cx="4892700" cy="623217"/>
+          </a:xfrm>
+          <a:prstGeom prst="rect">
+            <a:avLst/>
+          </a:prstGeom>
+          <a:noFill/>
+          <a:ln>
+            <a:noFill/>
+          </a:ln>
+        </p:spPr>
+        <p:txBody>
+          <a:bodyPr spcFirstLastPara="1" wrap="square" lIns="68575" tIns="34275" rIns="68575" bIns="34275" anchor="t" anchorCtr="0">
+            <a:spAutoFit/>
+          </a:bodyPr>
+          <a:lstStyle/>
+          <a:p>
+            <a:pPr marL="0" marR="0" lvl="0" indent="0" algn="l" rtl="0">
+              <a:lnSpc>
+                <a:spcPct val="100000"/>
+              </a:lnSpc>
+              <a:spcBef>
+                <a:spcPts val="0"/>
+              </a:spcBef>
+              <a:spcAft>
+                <a:spcPts val="0"/>
+              </a:spcAft>
+              <a:buNone/>
+            </a:pPr>
+            <a:r>
+              <a:rPr lang="en-US" sz="3600" b="1" dirty="0">
+                <a:solidFill>
+                  <a:srgbClr val="42B6C5"/>
+                </a:solidFill>
+                <a:latin typeface="Calibri"/>
+                <a:ea typeface="Calibri"/>
+                <a:cs typeface="Calibri"/>
+                <a:sym typeface="Calibri"/>
+              </a:rPr>
+              <a:t>3. Data Overview</a:t>
+            </a:r>
+            <a:endParaRPr sz="3600" b="1" dirty="0">
+              <a:solidFill>
+                <a:srgbClr val="42B6C5"/>
+              </a:solidFill>
+              <a:latin typeface="Calibri"/>
+              <a:ea typeface="Calibri"/>
+              <a:cs typeface="Calibri"/>
+              <a:sym typeface="Calibri"/>
+            </a:endParaRPr>
+          </a:p>
+        </p:txBody>
+      </p:sp>
+      <p:sp>
+        <p:nvSpPr>
+          <p:cNvPr id="124" name="Google Shape;124;p18"/>
+          <p:cNvSpPr txBox="1"/>
+          <p:nvPr/>
+        </p:nvSpPr>
+        <p:spPr>
+          <a:xfrm>
+            <a:off x="3427095" y="1957350"/>
+            <a:ext cx="4324200" cy="3300873"/>
+          </a:xfrm>
+          <a:prstGeom prst="rect">
+            <a:avLst/>
+          </a:prstGeom>
+          <a:noFill/>
+          <a:ln>
+            <a:noFill/>
+          </a:ln>
+        </p:spPr>
+        <p:txBody>
+          <a:bodyPr spcFirstLastPara="1" wrap="square" lIns="68575" tIns="34275" rIns="68575" bIns="34275" anchor="t" anchorCtr="0">
+            <a:spAutoFit/>
+          </a:bodyPr>
+          <a:lstStyle/>
+          <a:p>
+            <a:pPr marL="133350" marR="0" lvl="0" algn="l" rtl="0">
+              <a:lnSpc>
+                <a:spcPct val="100000"/>
+              </a:lnSpc>
+              <a:spcBef>
+                <a:spcPts val="0"/>
+              </a:spcBef>
+              <a:spcAft>
+                <a:spcPts val="0"/>
+              </a:spcAft>
+              <a:buClr>
+                <a:srgbClr val="42B6C5"/>
+              </a:buClr>
+              <a:buSzPts val="1500"/>
+            </a:pPr>
+            <a:r>
+              <a:rPr lang="en-US" sz="1500" b="1" dirty="0">
+                <a:solidFill>
+                  <a:srgbClr val="42B6C5"/>
+                </a:solidFill>
+                <a:latin typeface="Calibri"/>
+                <a:ea typeface="Calibri"/>
+                <a:cs typeface="Calibri"/>
+                <a:sym typeface="Calibri"/>
+              </a:rPr>
+              <a:t>The dataset consists of the following columns:</a:t>
+            </a:r>
+          </a:p>
+          <a:p>
+            <a:pPr marL="457200" marR="0" lvl="0" indent="-323850" algn="l" rtl="0">
+              <a:lnSpc>
+                <a:spcPct val="100000"/>
+              </a:lnSpc>
+              <a:spcBef>
+                <a:spcPts val="0"/>
+              </a:spcBef>
+              <a:spcAft>
+                <a:spcPts val="0"/>
+              </a:spcAft>
+              <a:buClr>
+                <a:srgbClr val="42B6C5"/>
+              </a:buClr>
+              <a:buSzPts val="1500"/>
+              <a:buFont typeface="Calibri"/>
+              <a:buChar char="●"/>
+            </a:pPr>
+            <a:r>
+              <a:rPr lang="en-US" sz="1500" b="1" dirty="0">
+                <a:solidFill>
+                  <a:srgbClr val="42B6C5"/>
+                </a:solidFill>
+                <a:latin typeface="Calibri"/>
+                <a:ea typeface="Calibri"/>
+                <a:cs typeface="Calibri"/>
+                <a:sym typeface="Calibri"/>
+              </a:rPr>
+              <a:t>Customer ID: A unique identifier for each customer.     </a:t>
+            </a:r>
+          </a:p>
+          <a:p>
+            <a:pPr marL="457200" marR="0" lvl="0" indent="-323850" algn="l" rtl="0">
+              <a:lnSpc>
+                <a:spcPct val="100000"/>
+              </a:lnSpc>
+              <a:spcBef>
+                <a:spcPts val="0"/>
+              </a:spcBef>
+              <a:spcAft>
+                <a:spcPts val="0"/>
+              </a:spcAft>
+              <a:buClr>
+                <a:srgbClr val="42B6C5"/>
+              </a:buClr>
+              <a:buSzPts val="1500"/>
+              <a:buFont typeface="Calibri"/>
+              <a:buChar char="●"/>
+            </a:pPr>
+            <a:r>
+              <a:rPr lang="en-US" sz="1500" b="1" dirty="0">
+                <a:solidFill>
+                  <a:srgbClr val="42B6C5"/>
+                </a:solidFill>
+                <a:latin typeface="Calibri"/>
+                <a:ea typeface="Calibri"/>
+                <a:cs typeface="Calibri"/>
+                <a:sym typeface="Calibri"/>
+              </a:rPr>
+              <a:t>Region: Geographic region where the customer resides.     </a:t>
+            </a:r>
+          </a:p>
+          <a:p>
+            <a:pPr marL="457200" marR="0" lvl="0" indent="-323850" algn="l" rtl="0">
+              <a:lnSpc>
+                <a:spcPct val="100000"/>
+              </a:lnSpc>
+              <a:spcBef>
+                <a:spcPts val="0"/>
+              </a:spcBef>
+              <a:spcAft>
+                <a:spcPts val="0"/>
+              </a:spcAft>
+              <a:buClr>
+                <a:srgbClr val="42B6C5"/>
+              </a:buClr>
+              <a:buSzPts val="1500"/>
+              <a:buFont typeface="Calibri"/>
+              <a:buChar char="●"/>
+            </a:pPr>
+            <a:r>
+              <a:rPr lang="en-US" sz="1500" b="1" dirty="0">
+                <a:solidFill>
+                  <a:srgbClr val="42B6C5"/>
+                </a:solidFill>
+                <a:latin typeface="Calibri"/>
+                <a:ea typeface="Calibri"/>
+                <a:cs typeface="Calibri"/>
+                <a:sym typeface="Calibri"/>
+              </a:rPr>
+              <a:t>Purchases: The number of purchases made by the customer.     </a:t>
+            </a:r>
+          </a:p>
+          <a:p>
+            <a:pPr marL="457200" marR="0" lvl="0" indent="-323850" algn="l" rtl="0">
+              <a:lnSpc>
+                <a:spcPct val="100000"/>
+              </a:lnSpc>
+              <a:spcBef>
+                <a:spcPts val="0"/>
+              </a:spcBef>
+              <a:spcAft>
+                <a:spcPts val="0"/>
+              </a:spcAft>
+              <a:buClr>
+                <a:srgbClr val="42B6C5"/>
+              </a:buClr>
+              <a:buSzPts val="1500"/>
+              <a:buFont typeface="Calibri"/>
+              <a:buChar char="●"/>
+            </a:pPr>
+            <a:r>
+              <a:rPr lang="en-US" sz="1500" b="1" dirty="0">
+                <a:solidFill>
+                  <a:srgbClr val="42B6C5"/>
+                </a:solidFill>
+                <a:latin typeface="Calibri"/>
+                <a:ea typeface="Calibri"/>
+                <a:cs typeface="Calibri"/>
+                <a:sym typeface="Calibri"/>
+              </a:rPr>
+              <a:t>Total Spent: The total amount spent by the customer.     </a:t>
+            </a:r>
+          </a:p>
+          <a:p>
+            <a:pPr marL="457200" marR="0" lvl="0" indent="-323850" algn="l" rtl="0">
+              <a:lnSpc>
+                <a:spcPct val="100000"/>
+              </a:lnSpc>
+              <a:spcBef>
+                <a:spcPts val="0"/>
+              </a:spcBef>
+              <a:spcAft>
+                <a:spcPts val="0"/>
+              </a:spcAft>
+              <a:buClr>
+                <a:srgbClr val="42B6C5"/>
+              </a:buClr>
+              <a:buSzPts val="1500"/>
+              <a:buFont typeface="Calibri"/>
+              <a:buChar char="●"/>
+            </a:pPr>
+            <a:r>
+              <a:rPr lang="en-US" sz="1500" b="1" dirty="0">
+                <a:solidFill>
+                  <a:srgbClr val="42B6C5"/>
+                </a:solidFill>
+                <a:latin typeface="Calibri"/>
+                <a:ea typeface="Calibri"/>
+                <a:cs typeface="Calibri"/>
+                <a:sym typeface="Calibri"/>
+              </a:rPr>
+              <a:t>Satisfaction Score: A score reflecting the customer's satisfaction level.     </a:t>
+            </a:r>
+          </a:p>
+          <a:p>
+            <a:pPr marL="457200" marR="0" lvl="0" indent="-323850" algn="l" rtl="0">
+              <a:lnSpc>
+                <a:spcPct val="100000"/>
+              </a:lnSpc>
+              <a:spcBef>
+                <a:spcPts val="0"/>
+              </a:spcBef>
+              <a:spcAft>
+                <a:spcPts val="0"/>
+              </a:spcAft>
+              <a:buClr>
+                <a:srgbClr val="42B6C5"/>
+              </a:buClr>
+              <a:buSzPts val="1500"/>
+              <a:buFont typeface="Calibri"/>
+              <a:buChar char="●"/>
+            </a:pPr>
+            <a:r>
+              <a:rPr lang="en-US" sz="1500" b="1" dirty="0">
+                <a:solidFill>
+                  <a:srgbClr val="42B6C5"/>
+                </a:solidFill>
+                <a:latin typeface="Calibri"/>
+                <a:ea typeface="Calibri"/>
+                <a:cs typeface="Calibri"/>
+                <a:sym typeface="Calibri"/>
+              </a:rPr>
+              <a:t>Repeat Customer: Indicates if the customer is a repeat buyer or not.</a:t>
+            </a:r>
+          </a:p>
+          <a:p>
+            <a:pPr marL="457200" marR="0" lvl="0" indent="-323850" algn="l" rtl="0">
+              <a:lnSpc>
+                <a:spcPct val="100000"/>
+              </a:lnSpc>
+              <a:spcBef>
+                <a:spcPts val="0"/>
+              </a:spcBef>
+              <a:spcAft>
+                <a:spcPts val="0"/>
+              </a:spcAft>
+              <a:buClr>
+                <a:srgbClr val="42B6C5"/>
+              </a:buClr>
+              <a:buSzPts val="1500"/>
+              <a:buFont typeface="Calibri"/>
+              <a:buChar char="●"/>
+            </a:pPr>
+            <a:endParaRPr sz="1500" b="1" dirty="0">
+              <a:solidFill>
+                <a:srgbClr val="42B6C5"/>
+              </a:solidFill>
+              <a:latin typeface="Calibri"/>
+              <a:ea typeface="Calibri"/>
+              <a:cs typeface="Calibri"/>
+              <a:sym typeface="Calibri"/>
+            </a:endParaRPr>
+          </a:p>
+        </p:txBody>
+      </p:sp>
+    </p:spTree>
+    <p:extLst>
+      <p:ext uri="{BB962C8B-B14F-4D97-AF65-F5344CB8AC3E}">
+        <p14:creationId xmlns:p14="http://schemas.microsoft.com/office/powerpoint/2010/main" val="3908083930"/>
+      </p:ext>
+    </p:extLst>
+  </p:cSld>
+  <p:clrMapOvr>
+    <a:masterClrMapping/>
+  </p:clrMapOvr>
+</p:sld>
+</file>
+
+<file path=ppt/slides/slide6.xml><?xml version="1.0" encoding="utf-8"?>
 <p:sld xmlns:a="http://schemas.openxmlformats.org/drawingml/2006/main" xmlns:r="http://schemas.openxmlformats.org/officeDocument/2006/relationships" xmlns:p="http://schemas.openxmlformats.org/presentationml/2006/main">
   <p:cSld>
     <p:spTree>
@@ -18158,7 +18700,7 @@
 </p:sld>
 </file>
 
-<file path=ppt/slides/slide6.xml><?xml version="1.0" encoding="utf-8"?>
+<file path=ppt/slides/slide7.xml><?xml version="1.0" encoding="utf-8"?>
 <p:sld xmlns:a="http://schemas.openxmlformats.org/drawingml/2006/main" xmlns:r="http://schemas.openxmlformats.org/officeDocument/2006/relationships" xmlns:p="http://schemas.openxmlformats.org/presentationml/2006/main">
   <p:cSld>
     <p:spTree>
@@ -18371,7 +18913,7 @@
 </p:sld>
 </file>
 
-<file path=ppt/slides/slide7.xml><?xml version="1.0" encoding="utf-8"?>
+<file path=ppt/slides/slide8.xml><?xml version="1.0" encoding="utf-8"?>
 <p:sld xmlns:a="http://schemas.openxmlformats.org/drawingml/2006/main" xmlns:r="http://schemas.openxmlformats.org/officeDocument/2006/relationships" xmlns:p="http://schemas.openxmlformats.org/presentationml/2006/main">
   <p:cSld>
     <p:spTree>
@@ -18596,7 +19138,7 @@
 </p:sld>
 </file>
 
-<file path=ppt/slides/slide8.xml><?xml version="1.0" encoding="utf-8"?>
+<file path=ppt/slides/slide9.xml><?xml version="1.0" encoding="utf-8"?>
 <p:sld xmlns:a="http://schemas.openxmlformats.org/drawingml/2006/main" xmlns:r="http://schemas.openxmlformats.org/officeDocument/2006/relationships" xmlns:p="http://schemas.openxmlformats.org/presentationml/2006/main">
   <p:cSld>
     <p:spTree>
@@ -18793,231 +19335,6 @@
               <a:ea typeface="Amiko"/>
               <a:cs typeface="Amiko"/>
               <a:sym typeface="Amiko"/>
-            </a:endParaRPr>
-          </a:p>
-        </p:txBody>
-      </p:sp>
-    </p:spTree>
-  </p:cSld>
-  <p:clrMapOvr>
-    <a:masterClrMapping/>
-  </p:clrMapOvr>
-</p:sld>
-</file>
-
-<file path=ppt/slides/slide9.xml><?xml version="1.0" encoding="utf-8"?>
-<p:sld xmlns:a="http://schemas.openxmlformats.org/drawingml/2006/main" xmlns:r="http://schemas.openxmlformats.org/officeDocument/2006/relationships" xmlns:p="http://schemas.openxmlformats.org/presentationml/2006/main">
-  <p:cSld>
-    <p:spTree>
-      <p:nvGrpSpPr>
-        <p:cNvPr id="1" name="Shape 141"/>
-        <p:cNvGrpSpPr/>
-        <p:nvPr/>
-      </p:nvGrpSpPr>
-      <p:grpSpPr>
-        <a:xfrm>
-          <a:off x="0" y="0"/>
-          <a:ext cx="0" cy="0"/>
-          <a:chOff x="0" y="0"/>
-          <a:chExt cx="0" cy="0"/>
-        </a:xfrm>
-      </p:grpSpPr>
-      <p:sp>
-        <p:nvSpPr>
-          <p:cNvPr id="142" name="Google Shape;142;p21"/>
-          <p:cNvSpPr/>
-          <p:nvPr/>
-        </p:nvSpPr>
-        <p:spPr>
-          <a:xfrm>
-            <a:off x="0" y="0"/>
-            <a:ext cx="9144000" cy="5143500"/>
-          </a:xfrm>
-          <a:prstGeom prst="rect">
-            <a:avLst/>
-          </a:prstGeom>
-          <a:solidFill>
-            <a:srgbClr val="42B6C5"/>
-          </a:solidFill>
-          <a:ln>
-            <a:noFill/>
-          </a:ln>
-        </p:spPr>
-        <p:txBody>
-          <a:bodyPr spcFirstLastPara="1" wrap="square" lIns="68575" tIns="34275" rIns="68575" bIns="34275" anchor="ctr" anchorCtr="0">
-            <a:noAutofit/>
-          </a:bodyPr>
-          <a:lstStyle/>
-          <a:p>
-            <a:pPr marL="0" marR="0" lvl="0" indent="0" algn="ctr" rtl="0">
-              <a:lnSpc>
-                <a:spcPct val="100000"/>
-              </a:lnSpc>
-              <a:spcBef>
-                <a:spcPts val="0"/>
-              </a:spcBef>
-              <a:spcAft>
-                <a:spcPts val="0"/>
-              </a:spcAft>
-              <a:buClr>
-                <a:srgbClr val="000000"/>
-              </a:buClr>
-              <a:buSzPts val="1400"/>
-              <a:buFont typeface="Arial"/>
-              <a:buNone/>
-            </a:pPr>
-            <a:endParaRPr sz="1400" b="0" i="0" u="none" strike="noStrike" cap="none">
-              <a:solidFill>
-                <a:schemeClr val="lt1"/>
-              </a:solidFill>
-              <a:latin typeface="Calibri"/>
-              <a:ea typeface="Calibri"/>
-              <a:cs typeface="Calibri"/>
-              <a:sym typeface="Calibri"/>
-            </a:endParaRPr>
-          </a:p>
-        </p:txBody>
-      </p:sp>
-      <p:sp>
-        <p:nvSpPr>
-          <p:cNvPr id="143" name="Google Shape;143;p21"/>
-          <p:cNvSpPr txBox="1"/>
-          <p:nvPr/>
-        </p:nvSpPr>
-        <p:spPr>
-          <a:xfrm>
-            <a:off x="419100" y="3152622"/>
-            <a:ext cx="1379400" cy="1223700"/>
-          </a:xfrm>
-          <a:prstGeom prst="rect">
-            <a:avLst/>
-          </a:prstGeom>
-          <a:noFill/>
-          <a:ln>
-            <a:noFill/>
-          </a:ln>
-        </p:spPr>
-        <p:txBody>
-          <a:bodyPr spcFirstLastPara="1" wrap="square" lIns="68575" tIns="34275" rIns="68575" bIns="34275" anchor="t" anchorCtr="0">
-            <a:spAutoFit/>
-          </a:bodyPr>
-          <a:lstStyle/>
-          <a:p>
-            <a:pPr marL="0" marR="0" lvl="0" indent="0" algn="l" rtl="0">
-              <a:lnSpc>
-                <a:spcPct val="100000"/>
-              </a:lnSpc>
-              <a:spcBef>
-                <a:spcPts val="0"/>
-              </a:spcBef>
-              <a:spcAft>
-                <a:spcPts val="0"/>
-              </a:spcAft>
-              <a:buClr>
-                <a:srgbClr val="000000"/>
-              </a:buClr>
-              <a:buSzPts val="7500"/>
-              <a:buFont typeface="Arial"/>
-              <a:buNone/>
-            </a:pPr>
-            <a:r>
-              <a:rPr lang="en-US" sz="7500" b="1" i="0" u="none" strike="noStrike" cap="none">
-                <a:solidFill>
-                  <a:srgbClr val="FFFFFF"/>
-                </a:solidFill>
-                <a:latin typeface="Calibri"/>
-                <a:ea typeface="Calibri"/>
-                <a:cs typeface="Calibri"/>
-                <a:sym typeface="Calibri"/>
-              </a:rPr>
-              <a:t>0</a:t>
-            </a:r>
-            <a:r>
-              <a:rPr lang="en-US" sz="7500" b="1">
-                <a:solidFill>
-                  <a:srgbClr val="FFFFFF"/>
-                </a:solidFill>
-                <a:latin typeface="Calibri"/>
-                <a:ea typeface="Calibri"/>
-                <a:cs typeface="Calibri"/>
-                <a:sym typeface="Calibri"/>
-              </a:rPr>
-              <a:t>4</a:t>
-            </a:r>
-            <a:endParaRPr sz="7500" b="1" i="0" u="none" strike="noStrike" cap="none">
-              <a:solidFill>
-                <a:srgbClr val="FFFFFF"/>
-              </a:solidFill>
-              <a:latin typeface="Calibri"/>
-              <a:ea typeface="Calibri"/>
-              <a:cs typeface="Calibri"/>
-              <a:sym typeface="Calibri"/>
-            </a:endParaRPr>
-          </a:p>
-        </p:txBody>
-      </p:sp>
-      <p:sp>
-        <p:nvSpPr>
-          <p:cNvPr id="144" name="Google Shape;144;p21"/>
-          <p:cNvSpPr txBox="1"/>
-          <p:nvPr/>
-        </p:nvSpPr>
-        <p:spPr>
-          <a:xfrm>
-            <a:off x="419100" y="4127975"/>
-            <a:ext cx="8360700" cy="823500"/>
-          </a:xfrm>
-          <a:prstGeom prst="rect">
-            <a:avLst/>
-          </a:prstGeom>
-          <a:noFill/>
-          <a:ln>
-            <a:noFill/>
-          </a:ln>
-        </p:spPr>
-        <p:txBody>
-          <a:bodyPr spcFirstLastPara="1" wrap="square" lIns="68575" tIns="34275" rIns="68575" bIns="34275" anchor="t" anchorCtr="0">
-            <a:spAutoFit/>
-          </a:bodyPr>
-          <a:lstStyle/>
-          <a:p>
-            <a:pPr marL="0" marR="0" lvl="0" indent="0" algn="l" rtl="0">
-              <a:lnSpc>
-                <a:spcPct val="100000"/>
-              </a:lnSpc>
-              <a:spcBef>
-                <a:spcPts val="0"/>
-              </a:spcBef>
-              <a:spcAft>
-                <a:spcPts val="0"/>
-              </a:spcAft>
-              <a:buClr>
-                <a:srgbClr val="000000"/>
-              </a:buClr>
-              <a:buSzPts val="4900"/>
-              <a:buFont typeface="Arial"/>
-              <a:buNone/>
-            </a:pPr>
-            <a:r>
-              <a:rPr lang="en-US" sz="4900" b="1">
-                <a:solidFill>
-                  <a:srgbClr val="FFFFFF"/>
-                </a:solidFill>
-                <a:latin typeface="Calibri"/>
-                <a:ea typeface="Calibri"/>
-                <a:cs typeface="Calibri"/>
-                <a:sym typeface="Calibri"/>
-              </a:rPr>
-              <a:t>Your Team, or simply About You</a:t>
-            </a:r>
-            <a:endParaRPr sz="4900" b="1" i="0" u="none" strike="noStrike" cap="none">
-              <a:solidFill>
-                <a:srgbClr val="FFFFFF"/>
-              </a:solidFill>
-              <a:latin typeface="Calibri"/>
-              <a:ea typeface="Calibri"/>
-              <a:cs typeface="Calibri"/>
-              <a:sym typeface="Calibri"/>
             </a:endParaRPr>
           </a:p>
         </p:txBody>
